--- a/Presentation WHO Life Expectancy.pptx
+++ b/Presentation WHO Life Expectancy.pptx
@@ -863,7 +863,7 @@
         </p:nvSpPr>
         <p:spPr>
           <a:xfrm>
-            <a:off x="381300" y="685800"/>
+            <a:off x="381000" y="685800"/>
             <a:ext cx="6096000" cy="3429000"/>
           </a:xfrm>
           <a:custGeom>
@@ -1758,7 +1758,7 @@
               </a:spcAft>
               <a:buNone/>
             </a:pPr>
-            <a:endParaRPr/>
+            <a:endParaRPr dirty="0"/>
           </a:p>
         </p:txBody>
       </p:sp>
@@ -8573,13 +8573,25 @@
       </p:grpSpPr>
       <p:pic>
         <p:nvPicPr>
-          <p:cNvPr id="120" name="Google Shape;120;p22"/>
-          <p:cNvPicPr preferRelativeResize="0"/>
+          <p:cNvPr id="5" name="slide2" descr="Overview">
+            <a:extLst>
+              <a:ext uri="{FF2B5EF4-FFF2-40B4-BE49-F238E27FC236}">
+                <a16:creationId xmlns:a16="http://schemas.microsoft.com/office/drawing/2014/main" id="{BC58740C-1F61-8D4B-ACA4-47DA0FCFAF58}"/>
+              </a:ext>
+            </a:extLst>
+          </p:cNvPr>
+          <p:cNvPicPr>
+            <a:picLocks noChangeAspect="1"/>
+          </p:cNvPicPr>
           <p:nvPr/>
         </p:nvPicPr>
         <p:blipFill>
           <a:blip r:embed="rId3">
-            <a:alphaModFix/>
+            <a:extLst>
+              <a:ext uri="{28A0092B-C50C-407E-A947-70E740481C1C}">
+                <a14:useLocalDpi xmlns:a14="http://schemas.microsoft.com/office/drawing/2010/main" val="0"/>
+              </a:ext>
+            </a:extLst>
           </a:blip>
           <a:stretch>
             <a:fillRect/>
@@ -8588,15 +8600,11 @@
         <p:spPr>
           <a:xfrm>
             <a:off x="0" y="0"/>
-            <a:ext cx="9144001" cy="5108963"/>
+            <a:ext cx="9144000" cy="5143500"/>
           </a:xfrm>
           <a:prstGeom prst="rect">
             <a:avLst/>
           </a:prstGeom>
-          <a:noFill/>
-          <a:ln>
-            <a:noFill/>
-          </a:ln>
         </p:spPr>
       </p:pic>
     </p:spTree>
@@ -8915,15 +8923,15 @@
                   <a:schemeClr val="dk2"/>
                 </a:solidFill>
               </a:rPr>
-              <a:t>For every 1% decrease in the population below the poverty line, there is .3 year increase in life expectancy (p&lt;.001, </a:t>
+              <a:t>For every 1% decrease in the population below the poverty line, there is .3 year increase in life expectancy (p&lt;.001, R</a:t>
             </a:r>
             <a:r>
-              <a:rPr lang="en" sz="1200" dirty="0" err="1">
+              <a:rPr lang="en" sz="1200" baseline="30000" dirty="0">
                 <a:solidFill>
                   <a:schemeClr val="dk2"/>
                 </a:solidFill>
               </a:rPr>
-              <a:t>Rsquared</a:t>
+              <a:t>2</a:t>
             </a:r>
             <a:r>
               <a:rPr lang="en" sz="1200" dirty="0">
@@ -8976,7 +8984,7 @@
                   <a:schemeClr val="dk2"/>
                 </a:solidFill>
               </a:rPr>
-              <a:t>3. Female literacy rate is not correlated with the % of females in the labor force</a:t>
+              <a:t>Female literacy rate is not correlated with the % of females in the labor force</a:t>
             </a:r>
             <a:endParaRPr sz="1600" dirty="0">
               <a:solidFill>
@@ -9072,15 +9080,15 @@
                   <a:schemeClr val="dk2"/>
                 </a:solidFill>
               </a:rPr>
-              <a:t>For every 1% increase in adult literacy, there is a .16 decrease in maternal mortality (p&lt;.001, </a:t>
+              <a:t>For every 1% increase in adult literacy, there is a .16 decrease in maternal mortality (p&lt;.001, R</a:t>
             </a:r>
             <a:r>
-              <a:rPr lang="en" sz="1200" dirty="0" err="1">
+              <a:rPr lang="en" sz="1200" baseline="30000" dirty="0">
                 <a:solidFill>
                   <a:schemeClr val="dk2"/>
                 </a:solidFill>
               </a:rPr>
-              <a:t>Rsquared</a:t>
+              <a:t>2</a:t>
             </a:r>
             <a:r>
               <a:rPr lang="en" sz="1200" dirty="0">
@@ -10981,8 +10989,8 @@
         </p:blipFill>
         <p:spPr>
           <a:xfrm>
-            <a:off x="3673800" y="1693100"/>
-            <a:ext cx="5259177" cy="2799299"/>
+            <a:off x="3494314" y="1693100"/>
+            <a:ext cx="5438663" cy="3081267"/>
           </a:xfrm>
           <a:prstGeom prst="rect">
             <a:avLst/>
@@ -11488,30 +11496,32 @@
       </p:sp>
       <p:pic>
         <p:nvPicPr>
-          <p:cNvPr id="91" name="Google Shape;91;p17"/>
-          <p:cNvPicPr preferRelativeResize="0"/>
+          <p:cNvPr id="3" name="Picture 2" descr="A close up of a map&#10;&#10;Description automatically generated">
+            <a:extLst>
+              <a:ext uri="{FF2B5EF4-FFF2-40B4-BE49-F238E27FC236}">
+                <a16:creationId xmlns:a16="http://schemas.microsoft.com/office/drawing/2014/main" id="{98F8D5CF-302D-FB4D-8F13-7DDBC5EE7F6D}"/>
+              </a:ext>
+            </a:extLst>
+          </p:cNvPr>
+          <p:cNvPicPr>
+            <a:picLocks noChangeAspect="1"/>
+          </p:cNvPicPr>
           <p:nvPr/>
         </p:nvPicPr>
         <p:blipFill>
-          <a:blip r:embed="rId3">
-            <a:alphaModFix/>
-          </a:blip>
+          <a:blip r:embed="rId3"/>
           <a:stretch>
             <a:fillRect/>
           </a:stretch>
         </p:blipFill>
         <p:spPr>
           <a:xfrm>
-            <a:off x="4065125" y="1654575"/>
-            <a:ext cx="4952001" cy="3007550"/>
+            <a:off x="3812022" y="1527084"/>
+            <a:ext cx="5198140" cy="2883900"/>
           </a:xfrm>
           <a:prstGeom prst="rect">
             <a:avLst/>
           </a:prstGeom>
-          <a:noFill/>
-          <a:ln>
-            <a:noFill/>
-          </a:ln>
         </p:spPr>
       </p:pic>
     </p:spTree>
